--- a/Virtual Workout Buddy.pptx
+++ b/Virtual Workout Buddy.pptx
@@ -159,7 +159,7 @@
                 <a:tab algn="l" pos="0"/>
               </a:tabLst>
             </a:pPr>
-            <a:fld id="{F8F1965C-91F6-413F-A0F5-EEF5FC399C9D}" type="slidenum">
+            <a:fld id="{50BEE5D6-9E75-46ED-8FB2-70FE4ED23C03}" type="slidenum">
               <a:rPr b="0" lang="en" sz="1000" strike="noStrike" u="none">
                 <a:solidFill>
                   <a:schemeClr val="dk2"/>
@@ -879,7 +879,7 @@
                 <a:tab algn="l" pos="0"/>
               </a:tabLst>
             </a:pPr>
-            <a:fld id="{4692852D-1C67-49B4-A2D4-02D44DAA71FA}" type="slidenum">
+            <a:fld id="{F177F9DF-5997-492A-9D9B-14BC30AA72D1}" type="slidenum">
               <a:rPr b="0" lang="en" sz="1000" strike="noStrike" u="none">
                 <a:solidFill>
                   <a:schemeClr val="dk2"/>
@@ -1241,7 +1241,7 @@
                 <a:tab algn="l" pos="0"/>
               </a:tabLst>
             </a:pPr>
-            <a:fld id="{16020366-2ECF-4B7F-8DDD-0C57C8082EA0}" type="slidenum">
+            <a:fld id="{B1D7C113-0384-4C31-801C-3C6D4B9416CF}" type="slidenum">
               <a:rPr b="0" lang="en" sz="1000" strike="noStrike" u="none">
                 <a:solidFill>
                   <a:schemeClr val="dk2"/>
@@ -1660,7 +1660,7 @@
                 <a:tab algn="l" pos="0"/>
               </a:tabLst>
             </a:pPr>
-            <a:fld id="{EE36E53E-1739-4D25-ADF3-9A9EBFC1AFE2}" type="slidenum">
+            <a:fld id="{75E56340-30CD-446E-9590-65D3F7CD9C74}" type="slidenum">
               <a:rPr b="0" lang="en" sz="1000" strike="noStrike" u="none">
                 <a:solidFill>
                   <a:schemeClr val="dk2"/>
@@ -1769,7 +1769,7 @@
                 <a:tab algn="l" pos="0"/>
               </a:tabLst>
             </a:pPr>
-            <a:fld id="{F5CA758A-2E89-4243-BCD7-6C8B144E58C4}" type="slidenum">
+            <a:fld id="{931DC5ED-0EE3-4B95-A702-2789CB662B70}" type="slidenum">
               <a:rPr b="0" lang="en" sz="1000" strike="noStrike" u="none">
                 <a:solidFill>
                   <a:schemeClr val="dk2"/>
@@ -1931,7 +1931,7 @@
                 <a:tab algn="l" pos="0"/>
               </a:tabLst>
             </a:pPr>
-            <a:fld id="{65823FBA-D2E7-4F14-9F9E-C6BBFC6BD2D2}" type="slidenum">
+            <a:fld id="{E65B77E8-69A3-4A33-8434-1F7B8F5EA1DE}" type="slidenum">
               <a:rPr b="0" lang="en" sz="1000" strike="noStrike" u="none">
                 <a:solidFill>
                   <a:schemeClr val="dk2"/>
@@ -2346,7 +2346,7 @@
                 <a:tab algn="l" pos="0"/>
               </a:tabLst>
             </a:pPr>
-            <a:fld id="{54BDA248-3B99-46CC-8BB6-367A8A284E12}" type="slidenum">
+            <a:fld id="{1EAC5907-8C62-4B6F-A011-ACA9E16DC7DE}" type="slidenum">
               <a:rPr b="0" lang="en" sz="1000" strike="noStrike" u="none">
                 <a:solidFill>
                   <a:schemeClr val="dk2"/>
@@ -3014,7 +3014,7 @@
                 <a:tab algn="l" pos="0"/>
               </a:tabLst>
             </a:pPr>
-            <a:fld id="{C8DA63ED-F1B3-4755-A4D4-454FD1B073F6}" type="slidenum">
+            <a:fld id="{F4C45210-0A68-46F4-B0D3-53A2206FEDFD}" type="slidenum">
               <a:rPr b="0" lang="en" sz="1000" strike="noStrike" u="none">
                 <a:solidFill>
                   <a:schemeClr val="dk2"/>
@@ -3176,7 +3176,7 @@
                 <a:tab algn="l" pos="0"/>
               </a:tabLst>
             </a:pPr>
-            <a:fld id="{EEF36F2F-6B4A-47A2-961F-1990D304F613}" type="slidenum">
+            <a:fld id="{288BF0EF-DF7E-4A60-B759-BC8203668697}" type="slidenum">
               <a:rPr b="0" lang="en" sz="1000" strike="noStrike" u="none">
                 <a:solidFill>
                   <a:schemeClr val="dk2"/>
@@ -3591,7 +3591,7 @@
                 <a:tab algn="l" pos="0"/>
               </a:tabLst>
             </a:pPr>
-            <a:fld id="{666868B0-90DD-4E60-AB98-27E98799DDFA}" type="slidenum">
+            <a:fld id="{6FFDF163-15E6-48DD-AA11-9071CA12EBB4}" type="slidenum">
               <a:rPr b="0" lang="en" sz="1000" strike="noStrike" u="none">
                 <a:solidFill>
                   <a:schemeClr val="dk2"/>
@@ -3753,7 +3753,7 @@
                 <a:tab algn="l" pos="0"/>
               </a:tabLst>
             </a:pPr>
-            <a:fld id="{D86188A2-38C9-482D-A36B-4012B678FB44}" type="slidenum">
+            <a:fld id="{BF185DE4-33B0-4E53-9173-57BA54C1707E}" type="slidenum">
               <a:rPr b="0" lang="en" sz="1000" strike="noStrike" u="none">
                 <a:solidFill>
                   <a:schemeClr val="dk2"/>
@@ -3918,13 +3918,13 @@
           </a:ln>
         </p:spPr>
         <p:txBody>
-          <a:bodyPr lIns="91440" rIns="91440" tIns="91440" bIns="91440" anchor="t">
-            <a:normAutofit fontScale="40000" lnSpcReduction="19999"/>
+          <a:bodyPr lIns="91440" rIns="91440" tIns="91440" bIns="91440" anchor="ctr">
+            <a:normAutofit fontScale="32500" lnSpcReduction="19999"/>
           </a:bodyPr>
           <a:p>
             <a:pPr indent="0" algn="ctr">
               <a:lnSpc>
-                <a:spcPct val="100000"/>
+                <a:spcPct val="115000"/>
               </a:lnSpc>
               <a:buNone/>
               <a:tabLst>
@@ -4094,7 +4094,7 @@
         </p:nvSpPr>
         <p:spPr>
           <a:xfrm>
-            <a:off x="311760" y="444960"/>
+            <a:off x="311760" y="228600"/>
             <a:ext cx="8520120" cy="572400"/>
           </a:xfrm>
           <a:prstGeom prst="rect">
@@ -4120,7 +4120,7 @@
               </a:tabLst>
             </a:pPr>
             <a:r>
-              <a:rPr b="1" lang="en" sz="3200" strike="noStrike" u="none">
+              <a:rPr b="1" lang="en" sz="3220" strike="noStrike" u="none">
                 <a:solidFill>
                   <a:schemeClr val="dk1"/>
                 </a:solidFill>
@@ -4129,9 +4129,9 @@
                 <a:latin typeface="Arial"/>
                 <a:ea typeface="Arial"/>
               </a:rPr>
-              <a:t>AI Training for Admin</a:t>
-            </a:r>
-            <a:endParaRPr b="1" lang="en-US" sz="3200" strike="noStrike" u="none">
+              <a:t>Website Admin</a:t>
+            </a:r>
+            <a:endParaRPr b="1" lang="en-US" sz="3220" strike="noStrike" u="none">
               <a:solidFill>
                 <a:srgbClr val="000000"/>
               </a:solidFill>
@@ -4192,7 +4192,7 @@
                 <a:latin typeface="Arial"/>
                 <a:ea typeface="Arial"/>
               </a:rPr>
-              <a:t>AI Training page</a:t>
+              <a:t>Training LLM Dashboard</a:t>
             </a:r>
             <a:endParaRPr b="0" lang="en-US" sz="2000" strike="noStrike" u="none">
               <a:solidFill>
@@ -4217,8 +4217,8 @@
         </p:blipFill>
         <p:spPr>
           <a:xfrm>
-            <a:off x="2514600" y="1371600"/>
-            <a:ext cx="6438960" cy="3429000"/>
+            <a:off x="4273560" y="914400"/>
+            <a:ext cx="4413240" cy="3771720"/>
           </a:xfrm>
           <a:prstGeom prst="rect">
             <a:avLst/>
@@ -4271,7 +4271,7 @@
         </p:nvSpPr>
         <p:spPr>
           <a:xfrm>
-            <a:off x="311760" y="444960"/>
+            <a:off x="311760" y="228600"/>
             <a:ext cx="8520120" cy="572400"/>
           </a:xfrm>
           <a:prstGeom prst="rect">
@@ -4297,7 +4297,7 @@
               </a:tabLst>
             </a:pPr>
             <a:r>
-              <a:rPr b="1" lang="en" sz="3200" strike="noStrike" u="none">
+              <a:rPr b="1" lang="en" sz="3220" strike="noStrike" u="none">
                 <a:solidFill>
                   <a:schemeClr val="dk1"/>
                 </a:solidFill>
@@ -4306,9 +4306,9 @@
                 <a:latin typeface="Arial"/>
                 <a:ea typeface="Arial"/>
               </a:rPr>
-              <a:t>AI Training (cont.)</a:t>
-            </a:r>
-            <a:endParaRPr b="1" lang="en-US" sz="3200" strike="noStrike" u="none">
+              <a:t>Website Admin</a:t>
+            </a:r>
+            <a:endParaRPr b="1" lang="en-US" sz="3220" strike="noStrike" u="none">
               <a:solidFill>
                 <a:srgbClr val="000000"/>
               </a:solidFill>
@@ -4331,7 +4331,7 @@
         </p:nvSpPr>
         <p:spPr>
           <a:xfrm>
-            <a:off x="311760" y="1143000"/>
+            <a:off x="311760" y="1152360"/>
             <a:ext cx="8520120" cy="3416040"/>
           </a:xfrm>
           <a:prstGeom prst="rect">
@@ -4369,7 +4369,7 @@
                 <a:latin typeface="Arial"/>
                 <a:ea typeface="Arial"/>
               </a:rPr>
-              <a:t>Add images to train AI</a:t>
+              <a:t>Train LLM with uploads</a:t>
             </a:r>
             <a:endParaRPr b="0" lang="en-US" sz="2000" strike="noStrike" u="none">
               <a:solidFill>
@@ -4394,8 +4394,8 @@
         </p:blipFill>
         <p:spPr>
           <a:xfrm>
-            <a:off x="3200400" y="1143000"/>
-            <a:ext cx="5715000" cy="3429000"/>
+            <a:off x="3255120" y="1342080"/>
+            <a:ext cx="5431680" cy="3196800"/>
           </a:xfrm>
           <a:prstGeom prst="rect">
             <a:avLst/>
@@ -4448,7 +4448,7 @@
         </p:nvSpPr>
         <p:spPr>
           <a:xfrm>
-            <a:off x="311760" y="444960"/>
+            <a:off x="311760" y="228600"/>
             <a:ext cx="8520120" cy="572400"/>
           </a:xfrm>
           <a:prstGeom prst="rect">
@@ -4474,7 +4474,7 @@
               </a:tabLst>
             </a:pPr>
             <a:r>
-              <a:rPr b="1" lang="en" sz="3200" strike="noStrike" u="none">
+              <a:rPr b="1" lang="en" sz="3220" strike="noStrike" u="none">
                 <a:solidFill>
                   <a:schemeClr val="dk1"/>
                 </a:solidFill>
@@ -4483,9 +4483,9 @@
                 <a:latin typeface="Arial"/>
                 <a:ea typeface="Arial"/>
               </a:rPr>
-              <a:t>AI Training (cont.)</a:t>
-            </a:r>
-            <a:endParaRPr b="1" lang="en-US" sz="3200" strike="noStrike" u="none">
+              <a:t>Website Admin (cont.)</a:t>
+            </a:r>
+            <a:endParaRPr b="1" lang="en-US" sz="3220" strike="noStrike" u="none">
               <a:solidFill>
                 <a:srgbClr val="000000"/>
               </a:solidFill>
@@ -4508,7 +4508,7 @@
         </p:nvSpPr>
         <p:spPr>
           <a:xfrm>
-            <a:off x="311760" y="1143000"/>
+            <a:off x="311760" y="1152360"/>
             <a:ext cx="8520120" cy="3416040"/>
           </a:xfrm>
           <a:prstGeom prst="rect">
@@ -4546,7 +4546,75 @@
                 <a:latin typeface="Arial"/>
                 <a:ea typeface="Arial"/>
               </a:rPr>
-              <a:t>List of the trained images</a:t>
+              <a:t>Trained LLM </a:t>
+            </a:r>
+            <a:endParaRPr b="0" lang="en-US" sz="2000" strike="noStrike" u="none">
+              <a:solidFill>
+                <a:srgbClr val="000000"/>
+              </a:solidFill>
+              <a:effectLst/>
+              <a:uFillTx/>
+              <a:latin typeface="Arial"/>
+            </a:endParaRPr>
+          </a:p>
+          <a:p>
+            <a:pPr indent="0">
+              <a:lnSpc>
+                <a:spcPct val="115000"/>
+              </a:lnSpc>
+              <a:spcAft>
+                <a:spcPts val="1199"/>
+              </a:spcAft>
+              <a:buNone/>
+              <a:tabLst>
+                <a:tab algn="l" pos="0"/>
+              </a:tabLst>
+            </a:pPr>
+            <a:r>
+              <a:rPr b="0" lang="en" sz="2000" strike="noStrike" u="none">
+                <a:solidFill>
+                  <a:schemeClr val="dk2"/>
+                </a:solidFill>
+                <a:effectLst/>
+                <a:uFillTx/>
+                <a:latin typeface="Arial"/>
+                <a:ea typeface="Arial"/>
+              </a:rPr>
+              <a:t>reference images</a:t>
+            </a:r>
+            <a:endParaRPr b="0" lang="en-US" sz="2000" strike="noStrike" u="none">
+              <a:solidFill>
+                <a:srgbClr val="000000"/>
+              </a:solidFill>
+              <a:effectLst/>
+              <a:uFillTx/>
+              <a:latin typeface="Arial"/>
+            </a:endParaRPr>
+          </a:p>
+          <a:p>
+            <a:pPr indent="0">
+              <a:lnSpc>
+                <a:spcPct val="115000"/>
+              </a:lnSpc>
+              <a:spcAft>
+                <a:spcPts val="1199"/>
+              </a:spcAft>
+              <a:buNone/>
+              <a:tabLst>
+                <a:tab algn="l" pos="0"/>
+              </a:tabLst>
+            </a:pPr>
+            <a:r>
+              <a:rPr b="0" lang="en" sz="2000" strike="noStrike" u="none">
+                <a:solidFill>
+                  <a:schemeClr val="dk2"/>
+                </a:solidFill>
+                <a:effectLst/>
+                <a:uFillTx/>
+                <a:latin typeface="Arial"/>
+                <a:ea typeface="Arial"/>
+              </a:rPr>
+              <a:t>after upload</a:t>
             </a:r>
             <a:endParaRPr b="0" lang="en-US" sz="2000" strike="noStrike" u="none">
               <a:solidFill>
@@ -4571,8 +4639,8 @@
         </p:blipFill>
         <p:spPr>
           <a:xfrm>
-            <a:off x="3764520" y="1371600"/>
-            <a:ext cx="5067360" cy="3200400"/>
+            <a:off x="3789720" y="914400"/>
+            <a:ext cx="5125680" cy="3886200"/>
           </a:xfrm>
           <a:prstGeom prst="rect">
             <a:avLst/>
@@ -5077,7 +5145,7 @@
         </p:nvSpPr>
         <p:spPr>
           <a:xfrm>
-            <a:off x="311760" y="444960"/>
+            <a:off x="386280" y="228600"/>
             <a:ext cx="8520120" cy="572400"/>
           </a:xfrm>
           <a:prstGeom prst="rect">
@@ -5137,7 +5205,7 @@
         </p:nvSpPr>
         <p:spPr>
           <a:xfrm>
-            <a:off x="311760" y="1143000"/>
+            <a:off x="311760" y="1152360"/>
             <a:ext cx="8520120" cy="3416040"/>
           </a:xfrm>
           <a:prstGeom prst="rect">
@@ -5510,7 +5578,7 @@
         </p:blipFill>
         <p:spPr>
           <a:xfrm>
-            <a:off x="1600200" y="3429000"/>
+            <a:off x="1607400" y="3429000"/>
             <a:ext cx="808920" cy="531720"/>
           </a:xfrm>
           <a:prstGeom prst="rect">
@@ -5564,7 +5632,7 @@
         </p:nvSpPr>
         <p:spPr>
           <a:xfrm>
-            <a:off x="311760" y="444960"/>
+            <a:off x="311760" y="228600"/>
             <a:ext cx="8520120" cy="572400"/>
           </a:xfrm>
           <a:prstGeom prst="rect">
@@ -5590,7 +5658,7 @@
               </a:tabLst>
             </a:pPr>
             <a:r>
-              <a:rPr b="1" lang="en" sz="3220" strike="noStrike" u="none">
+              <a:rPr b="1" lang="en" sz="3200" strike="noStrike" u="none">
                 <a:solidFill>
                   <a:schemeClr val="dk1"/>
                 </a:solidFill>
@@ -5601,7 +5669,7 @@
               </a:rPr>
               <a:t>Introduction</a:t>
             </a:r>
-            <a:endParaRPr b="1" lang="en-US" sz="3220" strike="noStrike" u="none">
+            <a:endParaRPr b="1" lang="en-US" sz="3200" strike="noStrike" u="none">
               <a:solidFill>
                 <a:srgbClr val="000000"/>
               </a:solidFill>
@@ -6267,7 +6335,7 @@
         </p:nvSpPr>
         <p:spPr>
           <a:xfrm>
-            <a:off x="361440" y="0"/>
+            <a:off x="311760" y="0"/>
             <a:ext cx="8520120" cy="572400"/>
           </a:xfrm>
           <a:prstGeom prst="rect">
@@ -6593,72 +6661,6 @@
             <a:spLocks noGrp="1"/>
           </p:cNvSpPr>
           <p:nvPr>
-            <p:ph type="title"/>
-          </p:nvPr>
-        </p:nvSpPr>
-        <p:spPr>
-          <a:xfrm>
-            <a:off x="311760" y="0"/>
-            <a:ext cx="8520120" cy="1017360"/>
-          </a:xfrm>
-          <a:prstGeom prst="rect">
-            <a:avLst/>
-          </a:prstGeom>
-          <a:noFill/>
-          <a:ln w="0">
-            <a:noFill/>
-          </a:ln>
-        </p:spPr>
-        <p:txBody>
-          <a:bodyPr lIns="91440" rIns="91440" tIns="91440" bIns="91440" anchor="t">
-            <a:normAutofit lnSpcReduction="9999"/>
-          </a:bodyPr>
-          <a:p>
-            <a:pPr indent="0">
-              <a:lnSpc>
-                <a:spcPct val="178000"/>
-              </a:lnSpc>
-              <a:spcBef>
-                <a:spcPts val="1400"/>
-              </a:spcBef>
-              <a:spcAft>
-                <a:spcPts val="1001"/>
-              </a:spcAft>
-              <a:buNone/>
-              <a:tabLst>
-                <a:tab algn="l" pos="0"/>
-              </a:tabLst>
-            </a:pPr>
-            <a:r>
-              <a:rPr b="1" lang="en" sz="3200" strike="noStrike" u="none">
-                <a:solidFill>
-                  <a:srgbClr val="404040"/>
-                </a:solidFill>
-                <a:effectLst/>
-                <a:uFillTx/>
-                <a:latin typeface="Roboto"/>
-                <a:ea typeface="Roboto"/>
-              </a:rPr>
-              <a:t>Why Proper Form Matters</a:t>
-            </a:r>
-            <a:endParaRPr b="0" lang="en-US" sz="3200" strike="noStrike" u="none">
-              <a:solidFill>
-                <a:srgbClr val="000000"/>
-              </a:solidFill>
-              <a:effectLst/>
-              <a:uFillTx/>
-              <a:latin typeface="Arial"/>
-            </a:endParaRPr>
-          </a:p>
-        </p:txBody>
-      </p:sp>
-      <p:sp>
-        <p:nvSpPr>
-          <p:cNvPr id="44" name="PlaceHolder 2"/>
-          <p:cNvSpPr>
-            <a:spLocks noGrp="1"/>
-          </p:cNvSpPr>
-          <p:nvPr>
             <p:ph/>
           </p:nvPr>
         </p:nvSpPr>
@@ -6911,6 +6913,67 @@
               </a:tabLst>
             </a:pPr>
             <a:endParaRPr b="0" lang="en-US" sz="1800" strike="noStrike" u="none">
+              <a:solidFill>
+                <a:srgbClr val="000000"/>
+              </a:solidFill>
+              <a:effectLst/>
+              <a:uFillTx/>
+              <a:latin typeface="Arial"/>
+            </a:endParaRPr>
+          </a:p>
+        </p:txBody>
+      </p:sp>
+      <p:sp>
+        <p:nvSpPr>
+          <p:cNvPr id="44" name="Google Shape;81;p 1"/>
+          <p:cNvSpPr txBox="1"/>
+          <p:nvPr/>
+        </p:nvSpPr>
+        <p:spPr>
+          <a:xfrm>
+            <a:off x="312120" y="0"/>
+            <a:ext cx="8520120" cy="572400"/>
+          </a:xfrm>
+          <a:prstGeom prst="rect">
+            <a:avLst/>
+          </a:prstGeom>
+          <a:noFill/>
+          <a:ln w="0">
+            <a:noFill/>
+          </a:ln>
+        </p:spPr>
+        <p:txBody>
+          <a:bodyPr tIns="91440" bIns="91440" anchor="t">
+            <a:noAutofit/>
+          </a:bodyPr>
+          <a:p>
+            <a:pPr>
+              <a:lnSpc>
+                <a:spcPct val="178000"/>
+              </a:lnSpc>
+              <a:spcBef>
+                <a:spcPts val="1400"/>
+              </a:spcBef>
+              <a:spcAft>
+                <a:spcPts val="1001"/>
+              </a:spcAft>
+              <a:tabLst>
+                <a:tab algn="l" pos="0"/>
+              </a:tabLst>
+            </a:pPr>
+            <a:r>
+              <a:rPr b="1" lang="en" sz="3200" strike="noStrike" u="none">
+                <a:solidFill>
+                  <a:srgbClr val="404040"/>
+                </a:solidFill>
+                <a:effectLst/>
+                <a:uFillTx/>
+                <a:latin typeface="Roboto"/>
+                <a:ea typeface="Roboto"/>
+              </a:rPr>
+              <a:t>Why Proper Form Matters</a:t>
+            </a:r>
+            <a:endParaRPr b="0" lang="en-US" sz="3200" strike="noStrike" u="none">
               <a:solidFill>
                 <a:srgbClr val="000000"/>
               </a:solidFill>
@@ -6958,12 +7021,78 @@
             <a:spLocks noGrp="1"/>
           </p:cNvSpPr>
           <p:nvPr>
+            <p:ph type="title"/>
+          </p:nvPr>
+        </p:nvSpPr>
+        <p:spPr>
+          <a:xfrm>
+            <a:off x="311760" y="0"/>
+            <a:ext cx="8520120" cy="572400"/>
+          </a:xfrm>
+          <a:prstGeom prst="rect">
+            <a:avLst/>
+          </a:prstGeom>
+          <a:noFill/>
+          <a:ln w="0">
+            <a:noFill/>
+          </a:ln>
+        </p:spPr>
+        <p:txBody>
+          <a:bodyPr lIns="91440" rIns="91440" tIns="91440" bIns="91440" anchor="t">
+            <a:noAutofit/>
+          </a:bodyPr>
+          <a:p>
+            <a:pPr indent="0">
+              <a:lnSpc>
+                <a:spcPct val="178000"/>
+              </a:lnSpc>
+              <a:spcBef>
+                <a:spcPts val="1400"/>
+              </a:spcBef>
+              <a:spcAft>
+                <a:spcPts val="1001"/>
+              </a:spcAft>
+              <a:buNone/>
+              <a:tabLst>
+                <a:tab algn="l" pos="0"/>
+              </a:tabLst>
+            </a:pPr>
+            <a:r>
+              <a:rPr b="1" lang="en" sz="3200" strike="noStrike" u="none">
+                <a:solidFill>
+                  <a:srgbClr val="404040"/>
+                </a:solidFill>
+                <a:effectLst/>
+                <a:uFillTx/>
+                <a:latin typeface="Roboto"/>
+                <a:ea typeface="Roboto"/>
+              </a:rPr>
+              <a:t>Technology Stack</a:t>
+            </a:r>
+            <a:endParaRPr b="0" lang="en-US" sz="3200" strike="noStrike" u="none">
+              <a:solidFill>
+                <a:srgbClr val="000000"/>
+              </a:solidFill>
+              <a:effectLst/>
+              <a:uFillTx/>
+              <a:latin typeface="Arial"/>
+            </a:endParaRPr>
+          </a:p>
+        </p:txBody>
+      </p:sp>
+      <p:sp>
+        <p:nvSpPr>
+          <p:cNvPr id="46" name="PlaceHolder 2"/>
+          <p:cNvSpPr>
+            <a:spLocks noGrp="1"/>
+          </p:cNvSpPr>
+          <p:nvPr>
             <p:ph/>
           </p:nvPr>
         </p:nvSpPr>
         <p:spPr>
           <a:xfrm>
-            <a:off x="311760" y="1384560"/>
+            <a:off x="311760" y="1152360"/>
             <a:ext cx="8520120" cy="3416040"/>
           </a:xfrm>
           <a:prstGeom prst="rect">
@@ -7014,7 +7143,7 @@
                 <a:latin typeface="Roboto"/>
                 <a:ea typeface="Roboto"/>
               </a:rPr>
-              <a:t>: Pose estimation model (Yolo V11).</a:t>
+              <a:t>: Pose estimation model (Yolo v11).</a:t>
             </a:r>
             <a:endParaRPr b="0" lang="en-US" sz="2000" strike="noStrike" u="none">
               <a:solidFill>
@@ -7130,53 +7259,6 @@
               </a:tabLst>
             </a:pPr>
             <a:endParaRPr b="0" lang="en-US" sz="1800" strike="noStrike" u="none">
-              <a:solidFill>
-                <a:srgbClr val="000000"/>
-              </a:solidFill>
-              <a:effectLst/>
-              <a:uFillTx/>
-              <a:latin typeface="Arial"/>
-            </a:endParaRPr>
-          </a:p>
-        </p:txBody>
-      </p:sp>
-      <p:sp>
-        <p:nvSpPr>
-          <p:cNvPr id="46" name=""/>
-          <p:cNvSpPr txBox="1"/>
-          <p:nvPr/>
-        </p:nvSpPr>
-        <p:spPr>
-          <a:xfrm>
-            <a:off x="457200" y="228600"/>
-            <a:ext cx="8229600" cy="685800"/>
-          </a:xfrm>
-          <a:prstGeom prst="rect">
-            <a:avLst/>
-          </a:prstGeom>
-          <a:noFill/>
-          <a:ln w="0">
-            <a:noFill/>
-          </a:ln>
-        </p:spPr>
-        <p:txBody>
-          <a:bodyPr lIns="90000" rIns="90000" tIns="45000" bIns="45000" anchor="t">
-            <a:spAutoFit/>
-          </a:bodyPr>
-          <a:p>
-            <a:r>
-              <a:rPr b="1" lang="en" sz="3200" strike="noStrike" u="none">
-                <a:solidFill>
-                  <a:srgbClr val="404040"/>
-                </a:solidFill>
-                <a:effectLst/>
-                <a:uFillTx/>
-                <a:latin typeface="Roboto"/>
-                <a:ea typeface="Roboto"/>
-              </a:rPr>
-              <a:t>Technology Stack</a:t>
-            </a:r>
-            <a:endParaRPr b="0" lang="en-US" sz="3200" strike="noStrike" u="none">
               <a:solidFill>
                 <a:srgbClr val="000000"/>
               </a:solidFill>
@@ -7229,8 +7311,8 @@
         </p:nvSpPr>
         <p:spPr>
           <a:xfrm>
-            <a:off x="311760" y="228600"/>
-            <a:ext cx="8520120" cy="685800"/>
+            <a:off x="311760" y="444960"/>
+            <a:ext cx="8520120" cy="572400"/>
           </a:xfrm>
           <a:prstGeom prst="rect">
             <a:avLst/>
@@ -7432,7 +7514,7 @@
               </a:tabLst>
             </a:pPr>
             <a:r>
-              <a:rPr b="1" lang="en" sz="3200" strike="noStrike" u="none">
+              <a:rPr b="1" lang="en" sz="3220" strike="noStrike" u="none">
                 <a:solidFill>
                   <a:schemeClr val="dk1"/>
                 </a:solidFill>
@@ -7443,7 +7525,7 @@
               </a:rPr>
               <a:t>Website (cont.)</a:t>
             </a:r>
-            <a:endParaRPr b="1" lang="en-US" sz="3200" strike="noStrike" u="none">
+            <a:endParaRPr b="1" lang="en-US" sz="3220" strike="noStrike" u="none">
               <a:solidFill>
                 <a:srgbClr val="000000"/>
               </a:solidFill>

--- a/Virtual Workout Buddy.pptx
+++ b/Virtual Workout Buddy.pptx
@@ -21,17 +21,16 @@
     <p:sldId id="266" r:id="rId15"/>
     <p:sldId id="267" r:id="rId16"/>
     <p:sldId id="268" r:id="rId17"/>
-    <p:sldId id="269" r:id="rId18"/>
   </p:sldIdLst>
   <p:sldSz cy="5143500" cx="9144000"/>
   <p:notesSz cx="6858000" cy="9144000"/>
   <p:embeddedFontLst>
     <p:embeddedFont>
       <p:font typeface="Roboto"/>
-      <p:regular r:id="rId19"/>
-      <p:bold r:id="rId20"/>
-      <p:italic r:id="rId21"/>
-      <p:boldItalic r:id="rId22"/>
+      <p:regular r:id="rId18"/>
+      <p:bold r:id="rId19"/>
+      <p:italic r:id="rId20"/>
+      <p:boldItalic r:id="rId21"/>
     </p:embeddedFont>
   </p:embeddedFontLst>
   <p:defaultTextStyle>
@@ -265,7 +264,7 @@
   </p:defaultTextStyle>
   <p:extLst>
     <p:ext uri="GoogleSlidesCustomDataVersion2">
-      <go:slidesCustomData xmlns:go="http://customooxmlschemas.google.com/" r:id="rId23" roundtripDataSignature="AMtx7mjJNkGblB/nMaN/kEfot1ijNNE5jA=="/>
+      <go:slidesCustomData xmlns:go="http://customooxmlschemas.google.com/" r:id="rId22" roundtripDataSignature="AMtx7miVia2rrYX1xtDHuOnGTnxBbbKdvg=="/>
     </p:ext>
   </p:extLst>
 </p:presentation>
@@ -801,7 +800,7 @@
   <p:cSld>
     <p:spTree>
       <p:nvGrpSpPr>
-        <p:cNvPr id="107" name="Shape 107"/>
+        <p:cNvPr id="106" name="Shape 106"/>
         <p:cNvGrpSpPr/>
         <p:nvPr/>
       </p:nvGrpSpPr>
@@ -815,7 +814,7 @@
       </p:grpSpPr>
       <p:sp>
         <p:nvSpPr>
-          <p:cNvPr id="108" name="Google Shape;108;p10:notes"/>
+          <p:cNvPr id="107" name="Google Shape;107;p11:notes"/>
           <p:cNvSpPr txBox="1"/>
           <p:nvPr>
             <p:ph idx="1" type="body"/>
@@ -854,7 +853,7 @@
       </p:sp>
       <p:sp>
         <p:nvSpPr>
-          <p:cNvPr id="109" name="Google Shape;109;p10:notes"/>
+          <p:cNvPr id="108" name="Google Shape;108;p11:notes"/>
           <p:cNvSpPr/>
           <p:nvPr>
             <p:ph idx="2" type="sldImg"/>
@@ -900,7 +899,7 @@
   <p:cSld>
     <p:spTree>
       <p:nvGrpSpPr>
-        <p:cNvPr id="114" name="Shape 114"/>
+        <p:cNvPr id="113" name="Shape 113"/>
         <p:cNvGrpSpPr/>
         <p:nvPr/>
       </p:nvGrpSpPr>
@@ -914,7 +913,7 @@
       </p:grpSpPr>
       <p:sp>
         <p:nvSpPr>
-          <p:cNvPr id="115" name="Google Shape;115;p11:notes"/>
+          <p:cNvPr id="114" name="Google Shape;114;p12:notes"/>
           <p:cNvSpPr txBox="1"/>
           <p:nvPr>
             <p:ph idx="1" type="body"/>
@@ -953,7 +952,7 @@
       </p:sp>
       <p:sp>
         <p:nvSpPr>
-          <p:cNvPr id="116" name="Google Shape;116;p11:notes"/>
+          <p:cNvPr id="115" name="Google Shape;115;p12:notes"/>
           <p:cNvSpPr/>
           <p:nvPr>
             <p:ph idx="2" type="sldImg"/>
@@ -999,7 +998,7 @@
   <p:cSld>
     <p:spTree>
       <p:nvGrpSpPr>
-        <p:cNvPr id="121" name="Shape 121"/>
+        <p:cNvPr id="120" name="Shape 120"/>
         <p:cNvGrpSpPr/>
         <p:nvPr/>
       </p:nvGrpSpPr>
@@ -1013,7 +1012,7 @@
       </p:grpSpPr>
       <p:sp>
         <p:nvSpPr>
-          <p:cNvPr id="122" name="Google Shape;122;p12:notes"/>
+          <p:cNvPr id="121" name="Google Shape;121;p13:notes"/>
           <p:cNvSpPr txBox="1"/>
           <p:nvPr>
             <p:ph idx="1" type="body"/>
@@ -1052,7 +1051,7 @@
       </p:sp>
       <p:sp>
         <p:nvSpPr>
-          <p:cNvPr id="123" name="Google Shape;123;p12:notes"/>
+          <p:cNvPr id="122" name="Google Shape;122;p13:notes"/>
           <p:cNvSpPr/>
           <p:nvPr>
             <p:ph idx="2" type="sldImg"/>
@@ -1098,7 +1097,7 @@
   <p:cSld>
     <p:spTree>
       <p:nvGrpSpPr>
-        <p:cNvPr id="128" name="Shape 128"/>
+        <p:cNvPr id="126" name="Shape 126"/>
         <p:cNvGrpSpPr/>
         <p:nvPr/>
       </p:nvGrpSpPr>
@@ -1112,7 +1111,7 @@
       </p:grpSpPr>
       <p:sp>
         <p:nvSpPr>
-          <p:cNvPr id="129" name="Google Shape;129;p13:notes"/>
+          <p:cNvPr id="127" name="Google Shape;127;p14:notes"/>
           <p:cNvSpPr txBox="1"/>
           <p:nvPr>
             <p:ph idx="1" type="body"/>
@@ -1151,106 +1150,7 @@
       </p:sp>
       <p:sp>
         <p:nvSpPr>
-          <p:cNvPr id="130" name="Google Shape;130;p13:notes"/>
-          <p:cNvSpPr/>
-          <p:nvPr>
-            <p:ph idx="2" type="sldImg"/>
-          </p:nvPr>
-        </p:nvSpPr>
-        <p:spPr>
-          <a:xfrm>
-            <a:off x="1143225" y="685800"/>
-            <a:ext cx="4572225" cy="3429000"/>
-          </a:xfrm>
-          <a:custGeom>
-            <a:rect b="b" l="l" r="r" t="t"/>
-            <a:pathLst>
-              <a:path extrusionOk="0" h="120000" w="120000">
-                <a:moveTo>
-                  <a:pt x="0" y="0"/>
-                </a:moveTo>
-                <a:lnTo>
-                  <a:pt x="120000" y="0"/>
-                </a:lnTo>
-                <a:lnTo>
-                  <a:pt x="120000" y="120000"/>
-                </a:lnTo>
-                <a:lnTo>
-                  <a:pt x="0" y="120000"/>
-                </a:lnTo>
-                <a:close/>
-              </a:path>
-            </a:pathLst>
-          </a:custGeom>
-        </p:spPr>
-      </p:sp>
-    </p:spTree>
-  </p:cSld>
-  <p:clrMapOvr>
-    <a:masterClrMapping/>
-  </p:clrMapOvr>
-</p:notes>
-</file>
-
-<file path=ppt/notesSlides/notesSlide14.xml><?xml version="1.0" encoding="utf-8"?>
-<p:notes xmlns:a="http://schemas.openxmlformats.org/drawingml/2006/main" xmlns:r="http://schemas.openxmlformats.org/officeDocument/2006/relationships" xmlns:mc="http://schemas.openxmlformats.org/markup-compatibility/2006" xmlns:mv="urn:schemas-microsoft-com:mac:vml" xmlns:p="http://schemas.openxmlformats.org/presentationml/2006/main" xmlns:c="http://schemas.openxmlformats.org/drawingml/2006/chart" xmlns:dgm="http://schemas.openxmlformats.org/drawingml/2006/diagram" xmlns:o="urn:schemas-microsoft-com:office:office" xmlns:v="urn:schemas-microsoft-com:vml" xmlns:pvml="urn:schemas-microsoft-com:office:powerpoint" xmlns:com="http://schemas.openxmlformats.org/drawingml/2006/compatibility" xmlns:p14="http://schemas.microsoft.com/office/powerpoint/2010/main" xmlns:p15="http://schemas.microsoft.com/office/powerpoint/2012/main" xmlns:ahyp="http://schemas.microsoft.com/office/drawing/2018/hyperlinkcolor" showMasterPhAnim="0" showMasterSp="0">
-  <p:cSld>
-    <p:spTree>
-      <p:nvGrpSpPr>
-        <p:cNvPr id="134" name="Shape 134"/>
-        <p:cNvGrpSpPr/>
-        <p:nvPr/>
-      </p:nvGrpSpPr>
-      <p:grpSpPr>
-        <a:xfrm>
-          <a:off x="0" y="0"/>
-          <a:ext cx="0" cy="0"/>
-          <a:chOff x="0" y="0"/>
-          <a:chExt cx="0" cy="0"/>
-        </a:xfrm>
-      </p:grpSpPr>
-      <p:sp>
-        <p:nvSpPr>
-          <p:cNvPr id="135" name="Google Shape;135;p14:notes"/>
-          <p:cNvSpPr txBox="1"/>
-          <p:nvPr>
-            <p:ph idx="1" type="body"/>
-          </p:nvPr>
-        </p:nvSpPr>
-        <p:spPr>
-          <a:xfrm>
-            <a:off x="685800" y="4343400"/>
-            <a:ext cx="5486400" cy="4114800"/>
-          </a:xfrm>
-          <a:prstGeom prst="rect">
-            <a:avLst/>
-          </a:prstGeom>
-        </p:spPr>
-        <p:txBody>
-          <a:bodyPr anchorCtr="0" anchor="t" bIns="91425" lIns="91425" spcFirstLastPara="1" rIns="91425" wrap="square" tIns="91425">
-            <a:noAutofit/>
-          </a:bodyPr>
-          <a:lstStyle/>
-          <a:p>
-            <a:pPr indent="0" lvl="0" marL="0" rtl="0" algn="l">
-              <a:spcBef>
-                <a:spcPts val="0"/>
-              </a:spcBef>
-              <a:spcAft>
-                <a:spcPts val="0"/>
-              </a:spcAft>
-              <a:buNone/>
-            </a:pPr>
-            <a:r>
-              <a:t/>
-            </a:r>
-            <a:endParaRPr/>
-          </a:p>
-        </p:txBody>
-      </p:sp>
-      <p:sp>
-        <p:nvSpPr>
-          <p:cNvPr id="136" name="Google Shape;136;p14:notes"/>
+          <p:cNvPr id="128" name="Google Shape;128;p14:notes"/>
           <p:cNvSpPr/>
           <p:nvPr>
             <p:ph idx="2" type="sldImg"/>
@@ -2003,7 +1903,7 @@
       </p:grpSpPr>
       <p:sp>
         <p:nvSpPr>
-          <p:cNvPr id="100" name="Google Shape;100;p9:notes"/>
+          <p:cNvPr id="100" name="Google Shape;100;p10:notes"/>
           <p:cNvSpPr txBox="1"/>
           <p:nvPr>
             <p:ph idx="1" type="body"/>
@@ -2042,7 +1942,7 @@
       </p:sp>
       <p:sp>
         <p:nvSpPr>
-          <p:cNvPr id="101" name="Google Shape;101;p9:notes"/>
+          <p:cNvPr id="101" name="Google Shape;101;p10:notes"/>
           <p:cNvSpPr/>
           <p:nvPr>
             <p:ph idx="2" type="sldImg"/>
@@ -8472,7 +8372,7 @@
   <p:cSld>
     <p:spTree>
       <p:nvGrpSpPr>
-        <p:cNvPr id="110" name="Shape 110"/>
+        <p:cNvPr id="109" name="Shape 109"/>
         <p:cNvGrpSpPr/>
         <p:nvPr/>
       </p:nvGrpSpPr>
@@ -8486,7 +8386,7 @@
       </p:grpSpPr>
       <p:sp>
         <p:nvSpPr>
-          <p:cNvPr id="111" name="Google Shape;111;p10"/>
+          <p:cNvPr id="110" name="Google Shape;110;p11"/>
           <p:cNvSpPr txBox="1"/>
           <p:nvPr>
             <p:ph type="title"/>
@@ -8554,7 +8454,7 @@
       </p:sp>
       <p:sp>
         <p:nvSpPr>
-          <p:cNvPr id="112" name="Google Shape;112;p10"/>
+          <p:cNvPr id="111" name="Google Shape;111;p11"/>
           <p:cNvSpPr txBox="1"/>
           <p:nvPr>
             <p:ph idx="1" type="body"/>
@@ -8606,194 +8506,6 @@
                 <a:cs typeface="Arial"/>
                 <a:sym typeface="Arial"/>
               </a:rPr>
-              <a:t>Training LLM Dashboard</a:t>
-            </a:r>
-            <a:endParaRPr b="0" i="0" sz="2000" u="none" cap="none" strike="noStrike">
-              <a:solidFill>
-                <a:srgbClr val="000000"/>
-              </a:solidFill>
-              <a:latin typeface="Arial"/>
-              <a:ea typeface="Arial"/>
-              <a:cs typeface="Arial"/>
-              <a:sym typeface="Arial"/>
-            </a:endParaRPr>
-          </a:p>
-        </p:txBody>
-      </p:sp>
-      <p:pic>
-        <p:nvPicPr>
-          <p:cNvPr id="113" name="Google Shape;113;p10"/>
-          <p:cNvPicPr preferRelativeResize="0"/>
-          <p:nvPr/>
-        </p:nvPicPr>
-        <p:blipFill rotWithShape="1">
-          <a:blip r:embed="rId3">
-            <a:alphaModFix/>
-          </a:blip>
-          <a:srcRect b="0" l="0" r="0" t="0"/>
-          <a:stretch/>
-        </p:blipFill>
-        <p:spPr>
-          <a:xfrm>
-            <a:off x="4273560" y="914400"/>
-            <a:ext cx="4413240" cy="3771720"/>
-          </a:xfrm>
-          <a:prstGeom prst="rect">
-            <a:avLst/>
-          </a:prstGeom>
-          <a:noFill/>
-          <a:ln>
-            <a:noFill/>
-          </a:ln>
-        </p:spPr>
-      </p:pic>
-    </p:spTree>
-  </p:cSld>
-  <p:clrMapOvr>
-    <a:masterClrMapping/>
-  </p:clrMapOvr>
-</p:sld>
-</file>
-
-<file path=ppt/slides/slide11.xml><?xml version="1.0" encoding="utf-8"?>
-<p:sld xmlns:a="http://schemas.openxmlformats.org/drawingml/2006/main" xmlns:r="http://schemas.openxmlformats.org/officeDocument/2006/relationships" xmlns:mc="http://schemas.openxmlformats.org/markup-compatibility/2006" xmlns:mv="urn:schemas-microsoft-com:mac:vml" xmlns:p="http://schemas.openxmlformats.org/presentationml/2006/main" xmlns:c="http://schemas.openxmlformats.org/drawingml/2006/chart" xmlns:dgm="http://schemas.openxmlformats.org/drawingml/2006/diagram" xmlns:o="urn:schemas-microsoft-com:office:office" xmlns:v="urn:schemas-microsoft-com:vml" xmlns:pvml="urn:schemas-microsoft-com:office:powerpoint" xmlns:com="http://schemas.openxmlformats.org/drawingml/2006/compatibility" xmlns:p14="http://schemas.microsoft.com/office/powerpoint/2010/main" xmlns:p15="http://schemas.microsoft.com/office/powerpoint/2012/main" xmlns:ahyp="http://schemas.microsoft.com/office/drawing/2018/hyperlinkcolor">
-  <p:cSld>
-    <p:spTree>
-      <p:nvGrpSpPr>
-        <p:cNvPr id="117" name="Shape 117"/>
-        <p:cNvGrpSpPr/>
-        <p:nvPr/>
-      </p:nvGrpSpPr>
-      <p:grpSpPr>
-        <a:xfrm>
-          <a:off x="0" y="0"/>
-          <a:ext cx="0" cy="0"/>
-          <a:chOff x="0" y="0"/>
-          <a:chExt cx="0" cy="0"/>
-        </a:xfrm>
-      </p:grpSpPr>
-      <p:sp>
-        <p:nvSpPr>
-          <p:cNvPr id="118" name="Google Shape;118;p11"/>
-          <p:cNvSpPr txBox="1"/>
-          <p:nvPr>
-            <p:ph type="title"/>
-          </p:nvPr>
-        </p:nvSpPr>
-        <p:spPr>
-          <a:xfrm>
-            <a:off x="311760" y="228600"/>
-            <a:ext cx="8520120" cy="572400"/>
-          </a:xfrm>
-          <a:prstGeom prst="rect">
-            <a:avLst/>
-          </a:prstGeom>
-          <a:noFill/>
-          <a:ln>
-            <a:noFill/>
-          </a:ln>
-        </p:spPr>
-        <p:txBody>
-          <a:bodyPr anchorCtr="0" anchor="t" bIns="91425" lIns="91425" spcFirstLastPara="1" rIns="91425" wrap="square" tIns="91425">
-            <a:noAutofit/>
-          </a:bodyPr>
-          <a:lstStyle/>
-          <a:p>
-            <a:pPr indent="0" lvl="0" marL="0" rtl="0" algn="l">
-              <a:lnSpc>
-                <a:spcPct val="100000"/>
-              </a:lnSpc>
-              <a:spcBef>
-                <a:spcPts val="0"/>
-              </a:spcBef>
-              <a:spcAft>
-                <a:spcPts val="0"/>
-              </a:spcAft>
-              <a:buClr>
-                <a:schemeClr val="dk1"/>
-              </a:buClr>
-              <a:buSzPts val="3220"/>
-              <a:buFont typeface="Arial"/>
-              <a:buNone/>
-            </a:pPr>
-            <a:r>
-              <a:rPr b="1" lang="en" sz="3220" u="none" strike="noStrike">
-                <a:solidFill>
-                  <a:schemeClr val="dk1"/>
-                </a:solidFill>
-                <a:latin typeface="Arial"/>
-                <a:ea typeface="Arial"/>
-                <a:cs typeface="Arial"/>
-                <a:sym typeface="Arial"/>
-              </a:rPr>
-              <a:t>Website Admin</a:t>
-            </a:r>
-            <a:endParaRPr b="1" sz="3220" u="none" strike="noStrike">
-              <a:solidFill>
-                <a:srgbClr val="000000"/>
-              </a:solidFill>
-              <a:latin typeface="Arial"/>
-              <a:ea typeface="Arial"/>
-              <a:cs typeface="Arial"/>
-              <a:sym typeface="Arial"/>
-            </a:endParaRPr>
-          </a:p>
-        </p:txBody>
-      </p:sp>
-      <p:sp>
-        <p:nvSpPr>
-          <p:cNvPr id="119" name="Google Shape;119;p11"/>
-          <p:cNvSpPr txBox="1"/>
-          <p:nvPr>
-            <p:ph idx="1" type="body"/>
-          </p:nvPr>
-        </p:nvSpPr>
-        <p:spPr>
-          <a:xfrm>
-            <a:off x="311760" y="1152360"/>
-            <a:ext cx="8520120" cy="3416040"/>
-          </a:xfrm>
-          <a:prstGeom prst="rect">
-            <a:avLst/>
-          </a:prstGeom>
-          <a:noFill/>
-          <a:ln>
-            <a:noFill/>
-          </a:ln>
-        </p:spPr>
-        <p:txBody>
-          <a:bodyPr anchorCtr="0" anchor="t" bIns="91425" lIns="91425" spcFirstLastPara="1" rIns="91425" wrap="square" tIns="91425">
-            <a:normAutofit/>
-          </a:bodyPr>
-          <a:lstStyle/>
-          <a:p>
-            <a:pPr indent="0" lvl="0" marL="0" marR="0" rtl="0" algn="l">
-              <a:lnSpc>
-                <a:spcPct val="115000"/>
-              </a:lnSpc>
-              <a:spcBef>
-                <a:spcPts val="0"/>
-              </a:spcBef>
-              <a:spcAft>
-                <a:spcPts val="0"/>
-              </a:spcAft>
-              <a:buClr>
-                <a:schemeClr val="dk2"/>
-              </a:buClr>
-              <a:buSzPts val="2000"/>
-              <a:buFont typeface="Arial"/>
-              <a:buNone/>
-            </a:pPr>
-            <a:r>
-              <a:rPr b="0" i="0" lang="en" sz="2000" u="none" cap="none" strike="noStrike">
-                <a:solidFill>
-                  <a:schemeClr val="dk2"/>
-                </a:solidFill>
-                <a:latin typeface="Arial"/>
-                <a:ea typeface="Arial"/>
-                <a:cs typeface="Arial"/>
-                <a:sym typeface="Arial"/>
-              </a:rPr>
               <a:t>Train LLM with uploads</a:t>
             </a:r>
             <a:endParaRPr b="0" i="0" sz="2000" u="none" cap="none" strike="noStrike">
@@ -8810,7 +8522,7 @@
       </p:sp>
       <p:pic>
         <p:nvPicPr>
-          <p:cNvPr id="120" name="Google Shape;120;p11"/>
+          <p:cNvPr id="112" name="Google Shape;112;p11"/>
           <p:cNvPicPr preferRelativeResize="0"/>
           <p:nvPr/>
         </p:nvPicPr>
@@ -8843,12 +8555,12 @@
 </p:sld>
 </file>
 
-<file path=ppt/slides/slide12.xml><?xml version="1.0" encoding="utf-8"?>
+<file path=ppt/slides/slide11.xml><?xml version="1.0" encoding="utf-8"?>
 <p:sld xmlns:a="http://schemas.openxmlformats.org/drawingml/2006/main" xmlns:r="http://schemas.openxmlformats.org/officeDocument/2006/relationships" xmlns:mc="http://schemas.openxmlformats.org/markup-compatibility/2006" xmlns:mv="urn:schemas-microsoft-com:mac:vml" xmlns:p="http://schemas.openxmlformats.org/presentationml/2006/main" xmlns:c="http://schemas.openxmlformats.org/drawingml/2006/chart" xmlns:dgm="http://schemas.openxmlformats.org/drawingml/2006/diagram" xmlns:o="urn:schemas-microsoft-com:office:office" xmlns:v="urn:schemas-microsoft-com:vml" xmlns:pvml="urn:schemas-microsoft-com:office:powerpoint" xmlns:com="http://schemas.openxmlformats.org/drawingml/2006/compatibility" xmlns:p14="http://schemas.microsoft.com/office/powerpoint/2010/main" xmlns:p15="http://schemas.microsoft.com/office/powerpoint/2012/main" xmlns:ahyp="http://schemas.microsoft.com/office/drawing/2018/hyperlinkcolor">
   <p:cSld>
     <p:spTree>
       <p:nvGrpSpPr>
-        <p:cNvPr id="124" name="Shape 124"/>
+        <p:cNvPr id="116" name="Shape 116"/>
         <p:cNvGrpSpPr/>
         <p:nvPr/>
       </p:nvGrpSpPr>
@@ -8862,7 +8574,7 @@
       </p:grpSpPr>
       <p:sp>
         <p:nvSpPr>
-          <p:cNvPr id="125" name="Google Shape;125;p12"/>
+          <p:cNvPr id="117" name="Google Shape;117;p12"/>
           <p:cNvSpPr txBox="1"/>
           <p:nvPr>
             <p:ph type="title"/>
@@ -8930,7 +8642,7 @@
       </p:sp>
       <p:sp>
         <p:nvSpPr>
-          <p:cNvPr id="126" name="Google Shape;126;p12"/>
+          <p:cNvPr id="118" name="Google Shape;118;p12"/>
           <p:cNvSpPr txBox="1"/>
           <p:nvPr>
             <p:ph idx="1" type="body"/>
@@ -9078,7 +8790,7 @@
       </p:sp>
       <p:pic>
         <p:nvPicPr>
-          <p:cNvPr id="127" name="Google Shape;127;p12"/>
+          <p:cNvPr id="119" name="Google Shape;119;p12"/>
           <p:cNvPicPr preferRelativeResize="0"/>
           <p:nvPr/>
         </p:nvPicPr>
@@ -9111,12 +8823,12 @@
 </p:sld>
 </file>
 
-<file path=ppt/slides/slide13.xml><?xml version="1.0" encoding="utf-8"?>
+<file path=ppt/slides/slide12.xml><?xml version="1.0" encoding="utf-8"?>
 <p:sld xmlns:a="http://schemas.openxmlformats.org/drawingml/2006/main" xmlns:r="http://schemas.openxmlformats.org/officeDocument/2006/relationships" xmlns:mc="http://schemas.openxmlformats.org/markup-compatibility/2006" xmlns:mv="urn:schemas-microsoft-com:mac:vml" xmlns:p="http://schemas.openxmlformats.org/presentationml/2006/main" xmlns:c="http://schemas.openxmlformats.org/drawingml/2006/chart" xmlns:dgm="http://schemas.openxmlformats.org/drawingml/2006/diagram" xmlns:o="urn:schemas-microsoft-com:office:office" xmlns:v="urn:schemas-microsoft-com:vml" xmlns:pvml="urn:schemas-microsoft-com:office:powerpoint" xmlns:com="http://schemas.openxmlformats.org/drawingml/2006/compatibility" xmlns:p14="http://schemas.microsoft.com/office/powerpoint/2010/main" xmlns:p15="http://schemas.microsoft.com/office/powerpoint/2012/main" xmlns:ahyp="http://schemas.microsoft.com/office/drawing/2018/hyperlinkcolor">
   <p:cSld>
     <p:spTree>
       <p:nvGrpSpPr>
-        <p:cNvPr id="131" name="Shape 131"/>
+        <p:cNvPr id="123" name="Shape 123"/>
         <p:cNvGrpSpPr/>
         <p:nvPr/>
       </p:nvGrpSpPr>
@@ -9130,7 +8842,7 @@
       </p:grpSpPr>
       <p:sp>
         <p:nvSpPr>
-          <p:cNvPr id="132" name="Google Shape;132;p13"/>
+          <p:cNvPr id="124" name="Google Shape;124;p13"/>
           <p:cNvSpPr txBox="1"/>
           <p:nvPr>
             <p:ph type="title"/>
@@ -9198,7 +8910,7 @@
       </p:sp>
       <p:sp>
         <p:nvSpPr>
-          <p:cNvPr id="133" name="Google Shape;133;p13"/>
+          <p:cNvPr id="125" name="Google Shape;125;p13"/>
           <p:cNvSpPr txBox="1"/>
           <p:nvPr>
             <p:ph idx="1" type="body"/>
@@ -9404,12 +9116,12 @@
 </p:sld>
 </file>
 
-<file path=ppt/slides/slide14.xml><?xml version="1.0" encoding="utf-8"?>
+<file path=ppt/slides/slide13.xml><?xml version="1.0" encoding="utf-8"?>
 <p:sld xmlns:a="http://schemas.openxmlformats.org/drawingml/2006/main" xmlns:r="http://schemas.openxmlformats.org/officeDocument/2006/relationships" xmlns:mc="http://schemas.openxmlformats.org/markup-compatibility/2006" xmlns:mv="urn:schemas-microsoft-com:mac:vml" xmlns:p="http://schemas.openxmlformats.org/presentationml/2006/main" xmlns:c="http://schemas.openxmlformats.org/drawingml/2006/chart" xmlns:dgm="http://schemas.openxmlformats.org/drawingml/2006/diagram" xmlns:o="urn:schemas-microsoft-com:office:office" xmlns:v="urn:schemas-microsoft-com:vml" xmlns:pvml="urn:schemas-microsoft-com:office:powerpoint" xmlns:com="http://schemas.openxmlformats.org/drawingml/2006/compatibility" xmlns:p14="http://schemas.microsoft.com/office/powerpoint/2010/main" xmlns:p15="http://schemas.microsoft.com/office/powerpoint/2012/main" xmlns:ahyp="http://schemas.microsoft.com/office/drawing/2018/hyperlinkcolor">
   <p:cSld>
     <p:spTree>
       <p:nvGrpSpPr>
-        <p:cNvPr id="137" name="Shape 137"/>
+        <p:cNvPr id="129" name="Shape 129"/>
         <p:cNvGrpSpPr/>
         <p:nvPr/>
       </p:nvGrpSpPr>
@@ -9423,7 +9135,7 @@
       </p:grpSpPr>
       <p:sp>
         <p:nvSpPr>
-          <p:cNvPr id="138" name="Google Shape;138;p14"/>
+          <p:cNvPr id="130" name="Google Shape;130;p14"/>
           <p:cNvSpPr txBox="1"/>
           <p:nvPr>
             <p:ph type="title"/>
@@ -9491,7 +9203,7 @@
       </p:sp>
       <p:sp>
         <p:nvSpPr>
-          <p:cNvPr id="139" name="Google Shape;139;p14"/>
+          <p:cNvPr id="131" name="Google Shape;131;p14"/>
           <p:cNvSpPr txBox="1"/>
           <p:nvPr>
             <p:ph idx="1" type="body"/>
@@ -11009,8 +10721,8 @@
         </p:nvSpPr>
         <p:spPr>
           <a:xfrm>
-            <a:off x="311760" y="1152360"/>
-            <a:ext cx="8520120" cy="3416040"/>
+            <a:off x="311750" y="963050"/>
+            <a:ext cx="4503300" cy="3905100"/>
           </a:xfrm>
           <a:prstGeom prst="rect">
             <a:avLst/>
@@ -11245,17 +10957,18 @@
           <p:cNvPicPr preferRelativeResize="0"/>
           <p:nvPr/>
         </p:nvPicPr>
-        <p:blipFill rotWithShape="1">
+        <p:blipFill>
           <a:blip r:embed="rId3">
             <a:alphaModFix/>
           </a:blip>
-          <a:srcRect b="0" l="0" r="0" t="0"/>
-          <a:stretch/>
+          <a:stretch>
+            <a:fillRect/>
+          </a:stretch>
         </p:blipFill>
         <p:spPr>
           <a:xfrm>
-            <a:off x="2359440" y="2468520"/>
-            <a:ext cx="4424400" cy="2469960"/>
+            <a:off x="4815050" y="889463"/>
+            <a:ext cx="4062025" cy="3364574"/>
           </a:xfrm>
           <a:prstGeom prst="rect">
             <a:avLst/>
@@ -12172,7 +11885,7 @@
       </p:grpSpPr>
       <p:sp>
         <p:nvSpPr>
-          <p:cNvPr id="103" name="Google Shape;103;p9"/>
+          <p:cNvPr id="103" name="Google Shape;103;p10"/>
           <p:cNvSpPr txBox="1"/>
           <p:nvPr>
             <p:ph type="title"/>
@@ -12180,7 +11893,7 @@
         </p:nvSpPr>
         <p:spPr>
           <a:xfrm>
-            <a:off x="311760" y="444960"/>
+            <a:off x="311760" y="228600"/>
             <a:ext cx="8520120" cy="572400"/>
           </a:xfrm>
           <a:prstGeom prst="rect">
@@ -12224,7 +11937,7 @@
                 <a:cs typeface="Arial"/>
                 <a:sym typeface="Arial"/>
               </a:rPr>
-              <a:t>Website (cont.)</a:t>
+              <a:t>Website Admin</a:t>
             </a:r>
             <a:endParaRPr b="1" sz="3220" u="none" strike="noStrike">
               <a:solidFill>
@@ -12240,7 +11953,7 @@
       </p:sp>
       <p:sp>
         <p:nvSpPr>
-          <p:cNvPr id="104" name="Google Shape;104;p9"/>
+          <p:cNvPr id="104" name="Google Shape;104;p10"/>
           <p:cNvSpPr txBox="1"/>
           <p:nvPr>
             <p:ph idx="1" type="body"/>
@@ -12292,7 +12005,7 @@
                 <a:cs typeface="Arial"/>
                 <a:sym typeface="Arial"/>
               </a:rPr>
-              <a:t>About page</a:t>
+              <a:t>Training LLM Dashboard</a:t>
             </a:r>
             <a:endParaRPr b="0" i="0" sz="2000" u="none" cap="none" strike="noStrike">
               <a:solidFill>
@@ -12308,7 +12021,7 @@
       </p:sp>
       <p:pic>
         <p:nvPicPr>
-          <p:cNvPr id="105" name="Google Shape;105;p9"/>
+          <p:cNvPr id="105" name="Google Shape;105;p10"/>
           <p:cNvPicPr preferRelativeResize="0"/>
           <p:nvPr/>
         </p:nvPicPr>
@@ -12321,35 +12034,8 @@
         </p:blipFill>
         <p:spPr>
           <a:xfrm>
-            <a:off x="4400640" y="2408040"/>
-            <a:ext cx="4743000" cy="2734920"/>
-          </a:xfrm>
-          <a:prstGeom prst="rect">
-            <a:avLst/>
-          </a:prstGeom>
-          <a:noFill/>
-          <a:ln>
-            <a:noFill/>
-          </a:ln>
-        </p:spPr>
-      </p:pic>
-      <p:pic>
-        <p:nvPicPr>
-          <p:cNvPr id="106" name="Google Shape;106;p9"/>
-          <p:cNvPicPr preferRelativeResize="0"/>
-          <p:nvPr/>
-        </p:nvPicPr>
-        <p:blipFill rotWithShape="1">
-          <a:blip r:embed="rId4">
-            <a:alphaModFix/>
-          </a:blip>
-          <a:srcRect b="0" l="0" r="0" t="0"/>
-          <a:stretch/>
-        </p:blipFill>
-        <p:spPr>
-          <a:xfrm>
-            <a:off x="4398840" y="266760"/>
-            <a:ext cx="4746960" cy="2734920"/>
+            <a:off x="4273560" y="914400"/>
+            <a:ext cx="4413240" cy="3771720"/>
           </a:xfrm>
           <a:prstGeom prst="rect">
             <a:avLst/>
